--- a/Pictures/picture_capture.pptx
+++ b/Pictures/picture_capture.pptx
@@ -11,6 +11,10 @@
     <p:sldId id="259" r:id="rId5"/>
     <p:sldId id="261" r:id="rId6"/>
     <p:sldId id="260" r:id="rId7"/>
+    <p:sldId id="262" r:id="rId8"/>
+    <p:sldId id="263" r:id="rId9"/>
+    <p:sldId id="264" r:id="rId10"/>
+    <p:sldId id="265" r:id="rId11"/>
   </p:sldIdLst>
   <p:sldSz cx="12192000" cy="6858000"/>
   <p:notesSz cx="6858000" cy="9144000"/>
@@ -109,6 +113,11 @@
       </a:defRPr>
     </a:lvl9pPr>
   </p:defaultTextStyle>
+  <p:extLst>
+    <p:ext uri="{EFAFB233-063F-42B5-8137-9DF3F51BA10A}">
+      <p15:sldGuideLst xmlns:p15="http://schemas.microsoft.com/office/powerpoint/2012/main"/>
+    </p:ext>
+  </p:extLst>
 </p:presentation>
 </file>
 
@@ -3714,6 +3723,66 @@
 </p:sld>
 </file>
 
+<file path=ppt/slides/slide10.xml><?xml version="1.0" encoding="utf-8"?>
+<p:sld xmlns:a="http://schemas.openxmlformats.org/drawingml/2006/main" xmlns:r="http://schemas.openxmlformats.org/officeDocument/2006/relationships" xmlns:p="http://schemas.openxmlformats.org/presentationml/2006/main">
+  <p:cSld>
+    <p:spTree>
+      <p:nvGrpSpPr>
+        <p:cNvPr id="1" name=""/>
+        <p:cNvGrpSpPr/>
+        <p:nvPr/>
+      </p:nvGrpSpPr>
+      <p:grpSpPr>
+        <a:xfrm>
+          <a:off x="0" y="0"/>
+          <a:ext cx="0" cy="0"/>
+          <a:chOff x="0" y="0"/>
+          <a:chExt cx="0" cy="0"/>
+        </a:xfrm>
+      </p:grpSpPr>
+      <p:pic>
+        <p:nvPicPr>
+          <p:cNvPr id="3" name="รูปภาพ 2">
+            <a:extLst>
+              <a:ext uri="{FF2B5EF4-FFF2-40B4-BE49-F238E27FC236}">
+                <a16:creationId xmlns:a16="http://schemas.microsoft.com/office/drawing/2014/main" id="{50DDF14A-4742-0220-00B0-7B42747153D6}"/>
+              </a:ext>
+            </a:extLst>
+          </p:cNvPr>
+          <p:cNvPicPr>
+            <a:picLocks noChangeAspect="1"/>
+          </p:cNvPicPr>
+          <p:nvPr/>
+        </p:nvPicPr>
+        <p:blipFill>
+          <a:blip r:embed="rId2"/>
+          <a:stretch>
+            <a:fillRect/>
+          </a:stretch>
+        </p:blipFill>
+        <p:spPr>
+          <a:xfrm>
+            <a:off x="743581" y="382336"/>
+            <a:ext cx="5029902" cy="1247949"/>
+          </a:xfrm>
+          <a:prstGeom prst="rect">
+            <a:avLst/>
+          </a:prstGeom>
+        </p:spPr>
+      </p:pic>
+    </p:spTree>
+    <p:extLst>
+      <p:ext uri="{BB962C8B-B14F-4D97-AF65-F5344CB8AC3E}">
+        <p14:creationId xmlns:p14="http://schemas.microsoft.com/office/powerpoint/2010/main" val="1442729637"/>
+      </p:ext>
+    </p:extLst>
+  </p:cSld>
+  <p:clrMapOvr>
+    <a:masterClrMapping/>
+  </p:clrMapOvr>
+</p:sld>
+</file>
+
 <file path=ppt/slides/slide2.xml><?xml version="1.0" encoding="utf-8"?>
 <p:sld xmlns:a="http://schemas.openxmlformats.org/drawingml/2006/main" xmlns:r="http://schemas.openxmlformats.org/officeDocument/2006/relationships" xmlns:p="http://schemas.openxmlformats.org/presentationml/2006/main">
   <p:cSld>
@@ -4557,7 +4626,7 @@
         </p:blipFill>
         <p:spPr>
           <a:xfrm>
-            <a:off x="2149311" y="3429000"/>
+            <a:off x="398149" y="159589"/>
             <a:ext cx="6363251" cy="1165961"/>
           </a:xfrm>
           <a:prstGeom prst="rect">
@@ -4579,7 +4648,7 @@
         </p:nvCxnSpPr>
         <p:spPr>
           <a:xfrm flipH="1">
-            <a:off x="3751868" y="3742441"/>
+            <a:off x="2000706" y="473030"/>
             <a:ext cx="867266" cy="0"/>
           </a:xfrm>
           <a:prstGeom prst="straightConnector1">
@@ -4591,6 +4660,44 @@
             </a:solidFill>
             <a:tailEnd type="triangle"/>
           </a:ln>
+        </p:spPr>
+        <p:style>
+          <a:lnRef idx="2">
+            <a:schemeClr val="accent1"/>
+          </a:lnRef>
+          <a:fillRef idx="0">
+            <a:schemeClr val="accent1"/>
+          </a:fillRef>
+          <a:effectRef idx="1">
+            <a:schemeClr val="accent1"/>
+          </a:effectRef>
+          <a:fontRef idx="minor">
+            <a:schemeClr val="tx1"/>
+          </a:fontRef>
+        </p:style>
+      </p:cxnSp>
+      <p:cxnSp>
+        <p:nvCxnSpPr>
+          <p:cNvPr id="3" name="ตัวเชื่อมต่อตรง 2">
+            <a:extLst>
+              <a:ext uri="{FF2B5EF4-FFF2-40B4-BE49-F238E27FC236}">
+                <a16:creationId xmlns:a16="http://schemas.microsoft.com/office/drawing/2014/main" id="{8155BEE9-9DBF-B297-F6AE-65789705841B}"/>
+              </a:ext>
+            </a:extLst>
+          </p:cNvPr>
+          <p:cNvCxnSpPr>
+            <a:cxnSpLocks/>
+          </p:cNvCxnSpPr>
+          <p:nvPr/>
+        </p:nvCxnSpPr>
+        <p:spPr>
+          <a:xfrm>
+            <a:off x="181155" y="1526875"/>
+            <a:ext cx="11861320" cy="0"/>
+          </a:xfrm>
+          <a:prstGeom prst="line">
+            <a:avLst/>
+          </a:prstGeom>
         </p:spPr>
         <p:style>
           <a:lnRef idx="2">
@@ -4611,6 +4718,636 @@
     <p:extLst>
       <p:ext uri="{BB962C8B-B14F-4D97-AF65-F5344CB8AC3E}">
         <p14:creationId xmlns:p14="http://schemas.microsoft.com/office/powerpoint/2010/main" val="1813264484"/>
+      </p:ext>
+    </p:extLst>
+  </p:cSld>
+  <p:clrMapOvr>
+    <a:masterClrMapping/>
+  </p:clrMapOvr>
+</p:sld>
+</file>
+
+<file path=ppt/slides/slide7.xml><?xml version="1.0" encoding="utf-8"?>
+<p:sld xmlns:a="http://schemas.openxmlformats.org/drawingml/2006/main" xmlns:r="http://schemas.openxmlformats.org/officeDocument/2006/relationships" xmlns:p="http://schemas.openxmlformats.org/presentationml/2006/main">
+  <p:cSld>
+    <p:spTree>
+      <p:nvGrpSpPr>
+        <p:cNvPr id="1" name=""/>
+        <p:cNvGrpSpPr/>
+        <p:nvPr/>
+      </p:nvGrpSpPr>
+      <p:grpSpPr>
+        <a:xfrm>
+          <a:off x="0" y="0"/>
+          <a:ext cx="0" cy="0"/>
+          <a:chOff x="0" y="0"/>
+          <a:chExt cx="0" cy="0"/>
+        </a:xfrm>
+      </p:grpSpPr>
+      <p:pic>
+        <p:nvPicPr>
+          <p:cNvPr id="17" name="รูปภาพ 16" descr="รูปภาพประกอบด้วย ข้อความ, ซอฟต์แวร์, ไอคอนคอมพิวเตอร์, หน้าเว็บ&#10;&#10;คำอธิบายที่สร้างโดยอัตโนมัติ">
+            <a:extLst>
+              <a:ext uri="{FF2B5EF4-FFF2-40B4-BE49-F238E27FC236}">
+                <a16:creationId xmlns:a16="http://schemas.microsoft.com/office/drawing/2014/main" id="{332B3ADB-9863-7082-4400-3337F847903D}"/>
+              </a:ext>
+            </a:extLst>
+          </p:cNvPr>
+          <p:cNvPicPr>
+            <a:picLocks noChangeAspect="1"/>
+          </p:cNvPicPr>
+          <p:nvPr/>
+        </p:nvPicPr>
+        <p:blipFill>
+          <a:blip r:embed="rId2">
+            <a:extLst>
+              <a:ext uri="{28A0092B-C50C-407E-A947-70E740481C1C}">
+                <a14:useLocalDpi xmlns:a14="http://schemas.microsoft.com/office/drawing/2010/main" val="0"/>
+              </a:ext>
+            </a:extLst>
+          </a:blip>
+          <a:stretch>
+            <a:fillRect/>
+          </a:stretch>
+        </p:blipFill>
+        <p:spPr>
+          <a:xfrm>
+            <a:off x="110917" y="0"/>
+            <a:ext cx="11970165" cy="6858000"/>
+          </a:xfrm>
+          <a:prstGeom prst="rect">
+            <a:avLst/>
+          </a:prstGeom>
+        </p:spPr>
+      </p:pic>
+      <p:sp>
+        <p:nvSpPr>
+          <p:cNvPr id="6" name="สี่เหลี่ยมผืนผ้า: มุมมน 5">
+            <a:extLst>
+              <a:ext uri="{FF2B5EF4-FFF2-40B4-BE49-F238E27FC236}">
+                <a16:creationId xmlns:a16="http://schemas.microsoft.com/office/drawing/2014/main" id="{AD647D27-3EA4-8B8C-2C1C-1D3AF8E9E0F9}"/>
+              </a:ext>
+            </a:extLst>
+          </p:cNvPr>
+          <p:cNvSpPr/>
+          <p:nvPr/>
+        </p:nvSpPr>
+        <p:spPr>
+          <a:xfrm>
+            <a:off x="543464" y="4506012"/>
+            <a:ext cx="5913897" cy="1989056"/>
+          </a:xfrm>
+          <a:prstGeom prst="roundRect">
+            <a:avLst>
+              <a:gd name="adj" fmla="val 4524"/>
+            </a:avLst>
+          </a:prstGeom>
+          <a:noFill/>
+          <a:ln>
+            <a:solidFill>
+              <a:srgbClr val="FF0000"/>
+            </a:solidFill>
+          </a:ln>
+        </p:spPr>
+        <p:style>
+          <a:lnRef idx="2">
+            <a:schemeClr val="accent1">
+              <a:shade val="15000"/>
+            </a:schemeClr>
+          </a:lnRef>
+          <a:fillRef idx="1">
+            <a:schemeClr val="accent1"/>
+          </a:fillRef>
+          <a:effectRef idx="0">
+            <a:schemeClr val="accent1"/>
+          </a:effectRef>
+          <a:fontRef idx="minor">
+            <a:schemeClr val="lt1"/>
+          </a:fontRef>
+        </p:style>
+        <p:txBody>
+          <a:bodyPr rtlCol="0" anchor="ctr"/>
+          <a:lstStyle/>
+          <a:p>
+            <a:pPr algn="ctr"/>
+            <a:endParaRPr lang="th-TH"/>
+          </a:p>
+        </p:txBody>
+      </p:sp>
+      <p:cxnSp>
+        <p:nvCxnSpPr>
+          <p:cNvPr id="10" name="ลูกศรเชื่อมต่อแบบตรง 9">
+            <a:extLst>
+              <a:ext uri="{FF2B5EF4-FFF2-40B4-BE49-F238E27FC236}">
+                <a16:creationId xmlns:a16="http://schemas.microsoft.com/office/drawing/2014/main" id="{339CF874-1265-462F-BDB0-84823B01A42D}"/>
+              </a:ext>
+            </a:extLst>
+          </p:cNvPr>
+          <p:cNvCxnSpPr>
+            <a:cxnSpLocks/>
+          </p:cNvCxnSpPr>
+          <p:nvPr/>
+        </p:nvCxnSpPr>
+        <p:spPr>
+          <a:xfrm flipH="1">
+            <a:off x="6452558" y="5434641"/>
+            <a:ext cx="325310" cy="0"/>
+          </a:xfrm>
+          <a:prstGeom prst="straightConnector1">
+            <a:avLst/>
+          </a:prstGeom>
+          <a:ln w="28575">
+            <a:solidFill>
+              <a:srgbClr val="FF0000"/>
+            </a:solidFill>
+            <a:tailEnd type="triangle"/>
+          </a:ln>
+        </p:spPr>
+        <p:style>
+          <a:lnRef idx="2">
+            <a:schemeClr val="accent1"/>
+          </a:lnRef>
+          <a:fillRef idx="0">
+            <a:schemeClr val="accent1"/>
+          </a:fillRef>
+          <a:effectRef idx="1">
+            <a:schemeClr val="accent1"/>
+          </a:effectRef>
+          <a:fontRef idx="minor">
+            <a:schemeClr val="tx1"/>
+          </a:fontRef>
+        </p:style>
+      </p:cxnSp>
+      <p:sp>
+        <p:nvSpPr>
+          <p:cNvPr id="11" name="Rectangle: Rounded Corners 3">
+            <a:extLst>
+              <a:ext uri="{FF2B5EF4-FFF2-40B4-BE49-F238E27FC236}">
+                <a16:creationId xmlns:a16="http://schemas.microsoft.com/office/drawing/2014/main" id="{7000CFB6-54DE-B6F8-82A1-FC9C6A590407}"/>
+              </a:ext>
+            </a:extLst>
+          </p:cNvPr>
+          <p:cNvSpPr/>
+          <p:nvPr/>
+        </p:nvSpPr>
+        <p:spPr>
+          <a:xfrm>
+            <a:off x="6811229" y="5183918"/>
+            <a:ext cx="983226" cy="501446"/>
+          </a:xfrm>
+          <a:prstGeom prst="roundRect">
+            <a:avLst/>
+          </a:prstGeom>
+          <a:solidFill>
+            <a:srgbClr val="FFFF00"/>
+          </a:solidFill>
+          <a:ln>
+            <a:solidFill>
+              <a:srgbClr val="FF0000"/>
+            </a:solidFill>
+          </a:ln>
+        </p:spPr>
+        <p:style>
+          <a:lnRef idx="2">
+            <a:schemeClr val="accent1">
+              <a:shade val="15000"/>
+            </a:schemeClr>
+          </a:lnRef>
+          <a:fillRef idx="1">
+            <a:schemeClr val="accent1"/>
+          </a:fillRef>
+          <a:effectRef idx="0">
+            <a:schemeClr val="accent1"/>
+          </a:effectRef>
+          <a:fontRef idx="minor">
+            <a:schemeClr val="lt1"/>
+          </a:fontRef>
+        </p:style>
+        <p:txBody>
+          <a:bodyPr rtlCol="0" anchor="ctr"/>
+          <a:lstStyle/>
+          <a:p>
+            <a:pPr algn="ctr"/>
+            <a:r>
+              <a:rPr lang="en-US" sz="2400" dirty="0">
+                <a:solidFill>
+                  <a:srgbClr val="002060"/>
+                </a:solidFill>
+              </a:rPr>
+              <a:t>1</a:t>
+            </a:r>
+          </a:p>
+        </p:txBody>
+      </p:sp>
+      <p:cxnSp>
+        <p:nvCxnSpPr>
+          <p:cNvPr id="12" name="ลูกศรเชื่อมต่อแบบตรง 11">
+            <a:extLst>
+              <a:ext uri="{FF2B5EF4-FFF2-40B4-BE49-F238E27FC236}">
+                <a16:creationId xmlns:a16="http://schemas.microsoft.com/office/drawing/2014/main" id="{155A084A-BA4C-8138-5F63-2BA5E15C118B}"/>
+              </a:ext>
+            </a:extLst>
+          </p:cNvPr>
+          <p:cNvCxnSpPr>
+            <a:cxnSpLocks/>
+          </p:cNvCxnSpPr>
+          <p:nvPr/>
+        </p:nvCxnSpPr>
+        <p:spPr>
+          <a:xfrm flipH="1" flipV="1">
+            <a:off x="2277374" y="1850542"/>
+            <a:ext cx="393176" cy="250723"/>
+          </a:xfrm>
+          <a:prstGeom prst="straightConnector1">
+            <a:avLst/>
+          </a:prstGeom>
+          <a:ln w="28575">
+            <a:solidFill>
+              <a:srgbClr val="FF0000"/>
+            </a:solidFill>
+            <a:tailEnd type="triangle"/>
+          </a:ln>
+        </p:spPr>
+        <p:style>
+          <a:lnRef idx="2">
+            <a:schemeClr val="accent1"/>
+          </a:lnRef>
+          <a:fillRef idx="0">
+            <a:schemeClr val="accent1"/>
+          </a:fillRef>
+          <a:effectRef idx="1">
+            <a:schemeClr val="accent1"/>
+          </a:effectRef>
+          <a:fontRef idx="minor">
+            <a:schemeClr val="tx1"/>
+          </a:fontRef>
+        </p:style>
+      </p:cxnSp>
+      <p:sp>
+        <p:nvSpPr>
+          <p:cNvPr id="13" name="Rectangle: Rounded Corners 3">
+            <a:extLst>
+              <a:ext uri="{FF2B5EF4-FFF2-40B4-BE49-F238E27FC236}">
+                <a16:creationId xmlns:a16="http://schemas.microsoft.com/office/drawing/2014/main" id="{F5F8644D-987F-C243-8CB1-805FAF94513C}"/>
+              </a:ext>
+            </a:extLst>
+          </p:cNvPr>
+          <p:cNvSpPr/>
+          <p:nvPr/>
+        </p:nvSpPr>
+        <p:spPr>
+          <a:xfrm>
+            <a:off x="2670550" y="1850542"/>
+            <a:ext cx="983226" cy="501446"/>
+          </a:xfrm>
+          <a:prstGeom prst="roundRect">
+            <a:avLst/>
+          </a:prstGeom>
+          <a:solidFill>
+            <a:srgbClr val="FFFF00"/>
+          </a:solidFill>
+          <a:ln>
+            <a:solidFill>
+              <a:srgbClr val="FF0000"/>
+            </a:solidFill>
+          </a:ln>
+        </p:spPr>
+        <p:style>
+          <a:lnRef idx="2">
+            <a:schemeClr val="accent1">
+              <a:shade val="15000"/>
+            </a:schemeClr>
+          </a:lnRef>
+          <a:fillRef idx="1">
+            <a:schemeClr val="accent1"/>
+          </a:fillRef>
+          <a:effectRef idx="0">
+            <a:schemeClr val="accent1"/>
+          </a:effectRef>
+          <a:fontRef idx="minor">
+            <a:schemeClr val="lt1"/>
+          </a:fontRef>
+        </p:style>
+        <p:txBody>
+          <a:bodyPr rtlCol="0" anchor="ctr"/>
+          <a:lstStyle/>
+          <a:p>
+            <a:pPr algn="ctr"/>
+            <a:r>
+              <a:rPr lang="en-US" sz="2400" dirty="0">
+                <a:solidFill>
+                  <a:srgbClr val="002060"/>
+                </a:solidFill>
+              </a:rPr>
+              <a:t>2</a:t>
+            </a:r>
+          </a:p>
+        </p:txBody>
+      </p:sp>
+      <p:sp>
+        <p:nvSpPr>
+          <p:cNvPr id="21" name="สี่เหลี่ยมผืนผ้า: มุมมน 20">
+            <a:extLst>
+              <a:ext uri="{FF2B5EF4-FFF2-40B4-BE49-F238E27FC236}">
+                <a16:creationId xmlns:a16="http://schemas.microsoft.com/office/drawing/2014/main" id="{1DA6C035-489D-A3B5-46CB-4F74C534333C}"/>
+              </a:ext>
+            </a:extLst>
+          </p:cNvPr>
+          <p:cNvSpPr/>
+          <p:nvPr/>
+        </p:nvSpPr>
+        <p:spPr>
+          <a:xfrm>
+            <a:off x="543464" y="981375"/>
+            <a:ext cx="1733910" cy="1192482"/>
+          </a:xfrm>
+          <a:prstGeom prst="roundRect">
+            <a:avLst>
+              <a:gd name="adj" fmla="val 4524"/>
+            </a:avLst>
+          </a:prstGeom>
+          <a:noFill/>
+          <a:ln>
+            <a:solidFill>
+              <a:srgbClr val="FF0000"/>
+            </a:solidFill>
+          </a:ln>
+        </p:spPr>
+        <p:style>
+          <a:lnRef idx="2">
+            <a:schemeClr val="accent1">
+              <a:shade val="15000"/>
+            </a:schemeClr>
+          </a:lnRef>
+          <a:fillRef idx="1">
+            <a:schemeClr val="accent1"/>
+          </a:fillRef>
+          <a:effectRef idx="0">
+            <a:schemeClr val="accent1"/>
+          </a:effectRef>
+          <a:fontRef idx="minor">
+            <a:schemeClr val="lt1"/>
+          </a:fontRef>
+        </p:style>
+        <p:txBody>
+          <a:bodyPr rtlCol="0" anchor="ctr"/>
+          <a:lstStyle/>
+          <a:p>
+            <a:pPr algn="ctr"/>
+            <a:endParaRPr lang="th-TH"/>
+          </a:p>
+        </p:txBody>
+      </p:sp>
+    </p:spTree>
+    <p:extLst>
+      <p:ext uri="{BB962C8B-B14F-4D97-AF65-F5344CB8AC3E}">
+        <p14:creationId xmlns:p14="http://schemas.microsoft.com/office/powerpoint/2010/main" val="1270544790"/>
+      </p:ext>
+    </p:extLst>
+  </p:cSld>
+  <p:clrMapOvr>
+    <a:masterClrMapping/>
+  </p:clrMapOvr>
+</p:sld>
+</file>
+
+<file path=ppt/slides/slide8.xml><?xml version="1.0" encoding="utf-8"?>
+<p:sld xmlns:a="http://schemas.openxmlformats.org/drawingml/2006/main" xmlns:r="http://schemas.openxmlformats.org/officeDocument/2006/relationships" xmlns:p="http://schemas.openxmlformats.org/presentationml/2006/main">
+  <p:cSld>
+    <p:spTree>
+      <p:nvGrpSpPr>
+        <p:cNvPr id="1" name=""/>
+        <p:cNvGrpSpPr/>
+        <p:nvPr/>
+      </p:nvGrpSpPr>
+      <p:grpSpPr>
+        <a:xfrm>
+          <a:off x="0" y="0"/>
+          <a:ext cx="0" cy="0"/>
+          <a:chOff x="0" y="0"/>
+          <a:chExt cx="0" cy="0"/>
+        </a:xfrm>
+      </p:grpSpPr>
+      <p:pic>
+        <p:nvPicPr>
+          <p:cNvPr id="3" name="รูปภาพ 2" descr="รูปภาพประกอบด้วย ข้อความ, ตัวอักษร, ภาพหน้าจอ, ไลน์&#10;&#10;คำอธิบายที่สร้างโดยอัตโนมัติ">
+            <a:extLst>
+              <a:ext uri="{FF2B5EF4-FFF2-40B4-BE49-F238E27FC236}">
+                <a16:creationId xmlns:a16="http://schemas.microsoft.com/office/drawing/2014/main" id="{5AAB4251-1080-7E35-6A9C-E932D9FCA67A}"/>
+              </a:ext>
+            </a:extLst>
+          </p:cNvPr>
+          <p:cNvPicPr>
+            <a:picLocks noChangeAspect="1"/>
+          </p:cNvPicPr>
+          <p:nvPr/>
+        </p:nvPicPr>
+        <p:blipFill>
+          <a:blip r:embed="rId2">
+            <a:extLst>
+              <a:ext uri="{28A0092B-C50C-407E-A947-70E740481C1C}">
+                <a14:useLocalDpi xmlns:a14="http://schemas.microsoft.com/office/drawing/2010/main" val="0"/>
+              </a:ext>
+            </a:extLst>
+          </a:blip>
+          <a:stretch>
+            <a:fillRect/>
+          </a:stretch>
+        </p:blipFill>
+        <p:spPr>
+          <a:xfrm>
+            <a:off x="2549588" y="5879706"/>
+            <a:ext cx="4677428" cy="676369"/>
+          </a:xfrm>
+          <a:prstGeom prst="rect">
+            <a:avLst/>
+          </a:prstGeom>
+        </p:spPr>
+      </p:pic>
+      <p:pic>
+        <p:nvPicPr>
+          <p:cNvPr id="5" name="รูปภาพ 4" descr="รูปภาพประกอบด้วย ข้อความ, ภาพหน้าจอ, ตัวอักษร, แสดง&#10;&#10;คำอธิบายที่สร้างโดยอัตโนมัติ">
+            <a:extLst>
+              <a:ext uri="{FF2B5EF4-FFF2-40B4-BE49-F238E27FC236}">
+                <a16:creationId xmlns:a16="http://schemas.microsoft.com/office/drawing/2014/main" id="{C593C0E4-73D7-553E-CE5F-78CDE97DC89E}"/>
+              </a:ext>
+            </a:extLst>
+          </p:cNvPr>
+          <p:cNvPicPr>
+            <a:picLocks noChangeAspect="1"/>
+          </p:cNvPicPr>
+          <p:nvPr/>
+        </p:nvPicPr>
+        <p:blipFill>
+          <a:blip r:embed="rId3">
+            <a:extLst>
+              <a:ext uri="{28A0092B-C50C-407E-A947-70E740481C1C}">
+                <a14:useLocalDpi xmlns:a14="http://schemas.microsoft.com/office/drawing/2010/main" val="0"/>
+              </a:ext>
+            </a:extLst>
+          </a:blip>
+          <a:stretch>
+            <a:fillRect/>
+          </a:stretch>
+        </p:blipFill>
+        <p:spPr>
+          <a:xfrm>
+            <a:off x="2683547" y="3025912"/>
+            <a:ext cx="3667637" cy="2324424"/>
+          </a:xfrm>
+          <a:prstGeom prst="rect">
+            <a:avLst/>
+          </a:prstGeom>
+        </p:spPr>
+      </p:pic>
+      <p:cxnSp>
+        <p:nvCxnSpPr>
+          <p:cNvPr id="7" name="ลูกศรเชื่อมต่อแบบตรง 6">
+            <a:extLst>
+              <a:ext uri="{FF2B5EF4-FFF2-40B4-BE49-F238E27FC236}">
+                <a16:creationId xmlns:a16="http://schemas.microsoft.com/office/drawing/2014/main" id="{DE7ACD8D-B9A5-AC57-33B5-BF703EFDA0AC}"/>
+              </a:ext>
+            </a:extLst>
+          </p:cNvPr>
+          <p:cNvCxnSpPr/>
+          <p:nvPr/>
+        </p:nvCxnSpPr>
+        <p:spPr>
+          <a:xfrm flipH="1">
+            <a:off x="3554083" y="4192437"/>
+            <a:ext cx="1069675" cy="112144"/>
+          </a:xfrm>
+          <a:prstGeom prst="straightConnector1">
+            <a:avLst/>
+          </a:prstGeom>
+          <a:ln>
+            <a:solidFill>
+              <a:srgbClr val="FF0000"/>
+            </a:solidFill>
+            <a:tailEnd type="triangle"/>
+          </a:ln>
+        </p:spPr>
+        <p:style>
+          <a:lnRef idx="2">
+            <a:schemeClr val="accent1"/>
+          </a:lnRef>
+          <a:fillRef idx="0">
+            <a:schemeClr val="accent1"/>
+          </a:fillRef>
+          <a:effectRef idx="1">
+            <a:schemeClr val="accent1"/>
+          </a:effectRef>
+          <a:fontRef idx="minor">
+            <a:schemeClr val="tx1"/>
+          </a:fontRef>
+        </p:style>
+      </p:cxnSp>
+      <p:pic>
+        <p:nvPicPr>
+          <p:cNvPr id="9" name="รูปภาพ 8" descr="รูปภาพประกอบด้วย ข้อความ, ภาพหน้าจอ, ตัวอักษร&#10;&#10;คำอธิบายที่สร้างโดยอัตโนมัติ">
+            <a:extLst>
+              <a:ext uri="{FF2B5EF4-FFF2-40B4-BE49-F238E27FC236}">
+                <a16:creationId xmlns:a16="http://schemas.microsoft.com/office/drawing/2014/main" id="{DE73BD61-3B5B-F1E4-5848-17B4A8F57BD5}"/>
+              </a:ext>
+            </a:extLst>
+          </p:cNvPr>
+          <p:cNvPicPr>
+            <a:picLocks noChangeAspect="1"/>
+          </p:cNvPicPr>
+          <p:nvPr/>
+        </p:nvPicPr>
+        <p:blipFill>
+          <a:blip r:embed="rId4">
+            <a:extLst>
+              <a:ext uri="{28A0092B-C50C-407E-A947-70E740481C1C}">
+                <a14:useLocalDpi xmlns:a14="http://schemas.microsoft.com/office/drawing/2010/main" val="0"/>
+              </a:ext>
+            </a:extLst>
+          </a:blip>
+          <a:stretch>
+            <a:fillRect/>
+          </a:stretch>
+        </p:blipFill>
+        <p:spPr>
+          <a:xfrm>
+            <a:off x="2477004" y="337330"/>
+            <a:ext cx="6944694" cy="2105319"/>
+          </a:xfrm>
+          <a:prstGeom prst="rect">
+            <a:avLst/>
+          </a:prstGeom>
+        </p:spPr>
+      </p:pic>
+    </p:spTree>
+    <p:extLst>
+      <p:ext uri="{BB962C8B-B14F-4D97-AF65-F5344CB8AC3E}">
+        <p14:creationId xmlns:p14="http://schemas.microsoft.com/office/powerpoint/2010/main" val="666247799"/>
+      </p:ext>
+    </p:extLst>
+  </p:cSld>
+  <p:clrMapOvr>
+    <a:masterClrMapping/>
+  </p:clrMapOvr>
+</p:sld>
+</file>
+
+<file path=ppt/slides/slide9.xml><?xml version="1.0" encoding="utf-8"?>
+<p:sld xmlns:a="http://schemas.openxmlformats.org/drawingml/2006/main" xmlns:r="http://schemas.openxmlformats.org/officeDocument/2006/relationships" xmlns:p="http://schemas.openxmlformats.org/presentationml/2006/main">
+  <p:cSld>
+    <p:spTree>
+      <p:nvGrpSpPr>
+        <p:cNvPr id="1" name=""/>
+        <p:cNvGrpSpPr/>
+        <p:nvPr/>
+      </p:nvGrpSpPr>
+      <p:grpSpPr>
+        <a:xfrm>
+          <a:off x="0" y="0"/>
+          <a:ext cx="0" cy="0"/>
+          <a:chOff x="0" y="0"/>
+          <a:chExt cx="0" cy="0"/>
+        </a:xfrm>
+      </p:grpSpPr>
+      <p:pic>
+        <p:nvPicPr>
+          <p:cNvPr id="3" name="รูปภาพ 2" descr="รูปภาพประกอบด้วย ข้อความ, ซอฟต์แวร์, ไอคอนคอมพิวเตอร์, หน้าเว็บ&#10;&#10;คำอธิบายที่สร้างโดยอัตโนมัติ">
+            <a:extLst>
+              <a:ext uri="{FF2B5EF4-FFF2-40B4-BE49-F238E27FC236}">
+                <a16:creationId xmlns:a16="http://schemas.microsoft.com/office/drawing/2014/main" id="{F3FFE780-DD48-AB36-5202-B961BB604DB8}"/>
+              </a:ext>
+            </a:extLst>
+          </p:cNvPr>
+          <p:cNvPicPr>
+            <a:picLocks noChangeAspect="1"/>
+          </p:cNvPicPr>
+          <p:nvPr/>
+        </p:nvPicPr>
+        <p:blipFill>
+          <a:blip r:embed="rId2">
+            <a:extLst>
+              <a:ext uri="{28A0092B-C50C-407E-A947-70E740481C1C}">
+                <a14:useLocalDpi xmlns:a14="http://schemas.microsoft.com/office/drawing/2010/main" val="0"/>
+              </a:ext>
+            </a:extLst>
+          </a:blip>
+          <a:stretch>
+            <a:fillRect/>
+          </a:stretch>
+        </p:blipFill>
+        <p:spPr>
+          <a:xfrm>
+            <a:off x="93011" y="0"/>
+            <a:ext cx="12005977" cy="6858000"/>
+          </a:xfrm>
+          <a:prstGeom prst="rect">
+            <a:avLst/>
+          </a:prstGeom>
+        </p:spPr>
+      </p:pic>
+    </p:spTree>
+    <p:extLst>
+      <p:ext uri="{BB962C8B-B14F-4D97-AF65-F5344CB8AC3E}">
+        <p14:creationId xmlns:p14="http://schemas.microsoft.com/office/powerpoint/2010/main" val="1002811486"/>
       </p:ext>
     </p:extLst>
   </p:cSld>
